--- a/figure/roslite/system_model.pptx
+++ b/figure/roslite/system_model.pptx
@@ -1012,7 +1012,7 @@
           <a:p>
             <a:fld id="{E90ED720-0104-4369-84BC-D37694168613}" type="datetimeFigureOut">
               <a:rPr kumimoji="1" lang="ja-JP" altLang="en-US" smtClean="0"/>
-              <a:t>2018/1/14</a:t>
+              <a:t>2018/1/15</a:t>
             </a:fld>
             <a:endParaRPr kumimoji="1" lang="ja-JP" altLang="en-US"/>
           </a:p>
@@ -1214,7 +1214,7 @@
           <a:p>
             <a:fld id="{E90ED720-0104-4369-84BC-D37694168613}" type="datetimeFigureOut">
               <a:rPr kumimoji="1" lang="ja-JP" altLang="en-US" smtClean="0"/>
-              <a:t>2018/1/14</a:t>
+              <a:t>2018/1/15</a:t>
             </a:fld>
             <a:endParaRPr kumimoji="1" lang="ja-JP" altLang="en-US"/>
           </a:p>
@@ -1426,7 +1426,7 @@
           <a:p>
             <a:fld id="{E90ED720-0104-4369-84BC-D37694168613}" type="datetimeFigureOut">
               <a:rPr kumimoji="1" lang="ja-JP" altLang="en-US" smtClean="0"/>
-              <a:t>2018/1/14</a:t>
+              <a:t>2018/1/15</a:t>
             </a:fld>
             <a:endParaRPr kumimoji="1" lang="ja-JP" altLang="en-US"/>
           </a:p>
@@ -1628,7 +1628,7 @@
           <a:p>
             <a:fld id="{E90ED720-0104-4369-84BC-D37694168613}" type="datetimeFigureOut">
               <a:rPr kumimoji="1" lang="ja-JP" altLang="en-US" smtClean="0"/>
-              <a:t>2018/1/14</a:t>
+              <a:t>2018/1/15</a:t>
             </a:fld>
             <a:endParaRPr kumimoji="1" lang="ja-JP" altLang="en-US"/>
           </a:p>
@@ -1874,7 +1874,7 @@
           <a:p>
             <a:fld id="{E90ED720-0104-4369-84BC-D37694168613}" type="datetimeFigureOut">
               <a:rPr kumimoji="1" lang="ja-JP" altLang="en-US" smtClean="0"/>
-              <a:t>2018/1/14</a:t>
+              <a:t>2018/1/15</a:t>
             </a:fld>
             <a:endParaRPr kumimoji="1" lang="ja-JP" altLang="en-US"/>
           </a:p>
@@ -2226,7 +2226,7 @@
           <a:p>
             <a:fld id="{E90ED720-0104-4369-84BC-D37694168613}" type="datetimeFigureOut">
               <a:rPr kumimoji="1" lang="ja-JP" altLang="en-US" smtClean="0"/>
-              <a:t>2018/1/14</a:t>
+              <a:t>2018/1/15</a:t>
             </a:fld>
             <a:endParaRPr kumimoji="1" lang="ja-JP" altLang="en-US"/>
           </a:p>
@@ -2712,7 +2712,7 @@
           <a:p>
             <a:fld id="{E90ED720-0104-4369-84BC-D37694168613}" type="datetimeFigureOut">
               <a:rPr kumimoji="1" lang="ja-JP" altLang="en-US" smtClean="0"/>
-              <a:t>2018/1/14</a:t>
+              <a:t>2018/1/15</a:t>
             </a:fld>
             <a:endParaRPr kumimoji="1" lang="ja-JP" altLang="en-US"/>
           </a:p>
@@ -2830,7 +2830,7 @@
           <a:p>
             <a:fld id="{E90ED720-0104-4369-84BC-D37694168613}" type="datetimeFigureOut">
               <a:rPr kumimoji="1" lang="ja-JP" altLang="en-US" smtClean="0"/>
-              <a:t>2018/1/14</a:t>
+              <a:t>2018/1/15</a:t>
             </a:fld>
             <a:endParaRPr kumimoji="1" lang="ja-JP" altLang="en-US"/>
           </a:p>
@@ -2925,7 +2925,7 @@
           <a:p>
             <a:fld id="{E90ED720-0104-4369-84BC-D37694168613}" type="datetimeFigureOut">
               <a:rPr kumimoji="1" lang="ja-JP" altLang="en-US" smtClean="0"/>
-              <a:t>2018/1/14</a:t>
+              <a:t>2018/1/15</a:t>
             </a:fld>
             <a:endParaRPr kumimoji="1" lang="ja-JP" altLang="en-US"/>
           </a:p>
@@ -3234,7 +3234,7 @@
           <a:p>
             <a:fld id="{E90ED720-0104-4369-84BC-D37694168613}" type="datetimeFigureOut">
               <a:rPr kumimoji="1" lang="ja-JP" altLang="en-US" smtClean="0"/>
-              <a:t>2018/1/14</a:t>
+              <a:t>2018/1/15</a:t>
             </a:fld>
             <a:endParaRPr kumimoji="1" lang="ja-JP" altLang="en-US"/>
           </a:p>
@@ -3487,7 +3487,7 @@
           <a:p>
             <a:fld id="{E90ED720-0104-4369-84BC-D37694168613}" type="datetimeFigureOut">
               <a:rPr kumimoji="1" lang="ja-JP" altLang="en-US" smtClean="0"/>
-              <a:t>2018/1/14</a:t>
+              <a:t>2018/1/15</a:t>
             </a:fld>
             <a:endParaRPr kumimoji="1" lang="ja-JP" altLang="en-US"/>
           </a:p>
@@ -3732,7 +3732,7 @@
           <a:p>
             <a:fld id="{E90ED720-0104-4369-84BC-D37694168613}" type="datetimeFigureOut">
               <a:rPr kumimoji="1" lang="ja-JP" altLang="en-US" smtClean="0"/>
-              <a:t>2018/1/14</a:t>
+              <a:t>2018/1/15</a:t>
             </a:fld>
             <a:endParaRPr kumimoji="1" lang="ja-JP" altLang="en-US"/>
           </a:p>
